--- a/_site/content/Week13/lab.pptx
+++ b/_site/content/Week13/lab.pptx
@@ -4961,7 +4961,7 @@
             </a:pPr>
             <a:r>
               <a:rPr/>
-              <a:t>January 9, 2023</a:t>
+              <a:t>January 23, 2023</a:t>
             </a:r>
           </a:p>
         </p:txBody>
